--- a/Test/Presentations/merge_result.pptx
+++ b/Test/Presentations/merge_result.pptx
@@ -3,15 +3,15 @@
 <p:presentation xmlns:p15="http://schemas.microsoft.com/office/powerpoint/2012/main" xmlns:a="http://schemas.openxmlformats.org/drawingml/2006/main" xmlns:r="http://schemas.openxmlformats.org/officeDocument/2006/relationships" xmlns:p="http://schemas.openxmlformats.org/presentationml/2006/main" saveSubsetFonts="1">
   <p:sldMasterIdLst>
     <p:sldMasterId id="2147483648" r:id="rId1"/>
-    <p:sldMasterId id="2147483649" r:id="Rff988fac340a48f0"/>
+    <p:sldMasterId id="2147483649" r:id="R90dff58557e9422c"/>
   </p:sldMasterIdLst>
   <p:sldIdLst>
     <p:sldId id="256" r:id="rId2"/>
-    <p:sldId id="259" r:id="R091e1f50480d4441"/>
+    <p:sldId id="259" r:id="R3e93b2593eaf4b08"/>
     <p:sldId id="257" r:id="rId3"/>
     <p:sldId id="258" r:id="rId4"/>
-    <p:sldId id="260" r:id="R8649c10a7eca4d48"/>
-    <p:sldId id="261" r:id="Rce46f914e08e41f3"/>
+    <p:sldId id="260" r:id="Rd589bcbaba6248d1"/>
+    <p:sldId id="261" r:id="Rf7b4a7d9f9be4425"/>
   </p:sldIdLst>
   <p:sldSz cx="12192000" cy="6858000"/>
   <p:notesSz cx="6858000" cy="9144000"/>

--- a/Test/Presentations/merge_result.pptx
+++ b/Test/Presentations/merge_result.pptx
@@ -3,15 +3,15 @@
 <p:presentation xmlns:p15="http://schemas.microsoft.com/office/powerpoint/2012/main" xmlns:a="http://schemas.openxmlformats.org/drawingml/2006/main" xmlns:r="http://schemas.openxmlformats.org/officeDocument/2006/relationships" xmlns:p="http://schemas.openxmlformats.org/presentationml/2006/main" saveSubsetFonts="1">
   <p:sldMasterIdLst>
     <p:sldMasterId id="2147483648" r:id="rId1"/>
-    <p:sldMasterId id="2147483649" r:id="R90dff58557e9422c"/>
+    <p:sldMasterId id="2147483649" r:id="Rb8679b63b4794fe4"/>
   </p:sldMasterIdLst>
   <p:sldIdLst>
     <p:sldId id="256" r:id="rId2"/>
-    <p:sldId id="259" r:id="R3e93b2593eaf4b08"/>
+    <p:sldId id="259" r:id="Rbb6d78bed9cd4ae3"/>
     <p:sldId id="257" r:id="rId3"/>
     <p:sldId id="258" r:id="rId4"/>
-    <p:sldId id="260" r:id="Rd589bcbaba6248d1"/>
-    <p:sldId id="261" r:id="Rf7b4a7d9f9be4425"/>
+    <p:sldId id="260" r:id="R140be83fa56945ca"/>
+    <p:sldId id="261" r:id="Rf450dad396284826"/>
   </p:sldIdLst>
   <p:sldSz cx="12192000" cy="6858000"/>
   <p:notesSz cx="6858000" cy="9144000"/>

--- a/Test/Presentations/merge_result.pptx
+++ b/Test/Presentations/merge_result.pptx
@@ -3,15 +3,15 @@
 <p:presentation xmlns:p15="http://schemas.microsoft.com/office/powerpoint/2012/main" xmlns:a="http://schemas.openxmlformats.org/drawingml/2006/main" xmlns:r="http://schemas.openxmlformats.org/officeDocument/2006/relationships" xmlns:p="http://schemas.openxmlformats.org/presentationml/2006/main" saveSubsetFonts="1">
   <p:sldMasterIdLst>
     <p:sldMasterId id="2147483648" r:id="rId1"/>
-    <p:sldMasterId id="2147483649" r:id="Rb8679b63b4794fe4"/>
+    <p:sldMasterId id="2147483649" r:id="Rfcb569105c154db8"/>
   </p:sldMasterIdLst>
   <p:sldIdLst>
     <p:sldId id="256" r:id="rId2"/>
-    <p:sldId id="259" r:id="Rbb6d78bed9cd4ae3"/>
+    <p:sldId id="259" r:id="Rf1ae9c5b04a04e22"/>
     <p:sldId id="257" r:id="rId3"/>
     <p:sldId id="258" r:id="rId4"/>
-    <p:sldId id="260" r:id="R140be83fa56945ca"/>
-    <p:sldId id="261" r:id="Rf450dad396284826"/>
+    <p:sldId id="260" r:id="R420a065b05e04b1f"/>
+    <p:sldId id="261" r:id="R1f7ab6dbe87b4de2"/>
   </p:sldIdLst>
   <p:sldSz cx="12192000" cy="6858000"/>
   <p:notesSz cx="6858000" cy="9144000"/>

--- a/Test/Presentations/merge_result.pptx
+++ b/Test/Presentations/merge_result.pptx
@@ -3,15 +3,15 @@
 <p:presentation xmlns:p15="http://schemas.microsoft.com/office/powerpoint/2012/main" xmlns:a="http://schemas.openxmlformats.org/drawingml/2006/main" xmlns:r="http://schemas.openxmlformats.org/officeDocument/2006/relationships" xmlns:p="http://schemas.openxmlformats.org/presentationml/2006/main" saveSubsetFonts="1">
   <p:sldMasterIdLst>
     <p:sldMasterId id="2147483648" r:id="rId1"/>
-    <p:sldMasterId id="2147483649" r:id="Rfcb569105c154db8"/>
+    <p:sldMasterId id="2147483649" r:id="R3f959dbb0c194ed2"/>
   </p:sldMasterIdLst>
   <p:sldIdLst>
     <p:sldId id="256" r:id="rId2"/>
-    <p:sldId id="259" r:id="Rf1ae9c5b04a04e22"/>
+    <p:sldId id="259" r:id="R428158bea2d24152"/>
     <p:sldId id="257" r:id="rId3"/>
     <p:sldId id="258" r:id="rId4"/>
-    <p:sldId id="260" r:id="R420a065b05e04b1f"/>
-    <p:sldId id="261" r:id="R1f7ab6dbe87b4de2"/>
+    <p:sldId id="260" r:id="R078f30a391ce400d"/>
+    <p:sldId id="261" r:id="R97ceb66d03704afb"/>
   </p:sldIdLst>
   <p:sldSz cx="12192000" cy="6858000"/>
   <p:notesSz cx="6858000" cy="9144000"/>

--- a/Test/Presentations/merge_result.pptx
+++ b/Test/Presentations/merge_result.pptx
@@ -3,15 +3,15 @@
 <p:presentation xmlns:p15="http://schemas.microsoft.com/office/powerpoint/2012/main" xmlns:a="http://schemas.openxmlformats.org/drawingml/2006/main" xmlns:r="http://schemas.openxmlformats.org/officeDocument/2006/relationships" xmlns:p="http://schemas.openxmlformats.org/presentationml/2006/main" saveSubsetFonts="1">
   <p:sldMasterIdLst>
     <p:sldMasterId id="2147483648" r:id="rId1"/>
-    <p:sldMasterId id="2147483649" r:id="R3f959dbb0c194ed2"/>
+    <p:sldMasterId id="2147483649" r:id="R4e0606edba454b13"/>
   </p:sldMasterIdLst>
   <p:sldIdLst>
     <p:sldId id="256" r:id="rId2"/>
-    <p:sldId id="259" r:id="R428158bea2d24152"/>
+    <p:sldId id="259" r:id="R4dc1d61b76074a65"/>
     <p:sldId id="257" r:id="rId3"/>
     <p:sldId id="258" r:id="rId4"/>
-    <p:sldId id="260" r:id="R078f30a391ce400d"/>
-    <p:sldId id="261" r:id="R97ceb66d03704afb"/>
+    <p:sldId id="260" r:id="Rbb963edd3e1c43ad"/>
+    <p:sldId id="261" r:id="R844ea59d69034d4f"/>
   </p:sldIdLst>
   <p:sldSz cx="12192000" cy="6858000"/>
   <p:notesSz cx="6858000" cy="9144000"/>

--- a/Test/Presentations/merge_result.pptx
+++ b/Test/Presentations/merge_result.pptx
@@ -3,15 +3,15 @@
 <p:presentation xmlns:p15="http://schemas.microsoft.com/office/powerpoint/2012/main" xmlns:a="http://schemas.openxmlformats.org/drawingml/2006/main" xmlns:r="http://schemas.openxmlformats.org/officeDocument/2006/relationships" xmlns:p="http://schemas.openxmlformats.org/presentationml/2006/main" saveSubsetFonts="1">
   <p:sldMasterIdLst>
     <p:sldMasterId id="2147483648" r:id="rId1"/>
-    <p:sldMasterId id="2147483649" r:id="R4e0606edba454b13"/>
+    <p:sldMasterId id="2147483649" r:id="R77f45fd9f3474728"/>
   </p:sldMasterIdLst>
   <p:sldIdLst>
     <p:sldId id="256" r:id="rId2"/>
-    <p:sldId id="259" r:id="R4dc1d61b76074a65"/>
+    <p:sldId id="259" r:id="Re406b77b1b484eeb"/>
     <p:sldId id="257" r:id="rId3"/>
     <p:sldId id="258" r:id="rId4"/>
-    <p:sldId id="260" r:id="Rbb963edd3e1c43ad"/>
-    <p:sldId id="261" r:id="R844ea59d69034d4f"/>
+    <p:sldId id="260" r:id="Rfa236a40715540d1"/>
+    <p:sldId id="261" r:id="R48695a455eab4c6f"/>
   </p:sldIdLst>
   <p:sldSz cx="12192000" cy="6858000"/>
   <p:notesSz cx="6858000" cy="9144000"/>

--- a/Test/Presentations/merge_result.pptx
+++ b/Test/Presentations/merge_result.pptx
@@ -3,15 +3,15 @@
 <p:presentation xmlns:p15="http://schemas.microsoft.com/office/powerpoint/2012/main" xmlns:a="http://schemas.openxmlformats.org/drawingml/2006/main" xmlns:r="http://schemas.openxmlformats.org/officeDocument/2006/relationships" xmlns:p="http://schemas.openxmlformats.org/presentationml/2006/main" saveSubsetFonts="1">
   <p:sldMasterIdLst>
     <p:sldMasterId id="2147483648" r:id="rId1"/>
-    <p:sldMasterId id="2147483649" r:id="R77f45fd9f3474728"/>
+    <p:sldMasterId id="2147483649" r:id="Rb5670c8fe9f2411a"/>
   </p:sldMasterIdLst>
   <p:sldIdLst>
     <p:sldId id="256" r:id="rId2"/>
-    <p:sldId id="259" r:id="Re406b77b1b484eeb"/>
+    <p:sldId id="259" r:id="R5831e03e44814853"/>
     <p:sldId id="257" r:id="rId3"/>
     <p:sldId id="258" r:id="rId4"/>
-    <p:sldId id="260" r:id="Rfa236a40715540d1"/>
-    <p:sldId id="261" r:id="R48695a455eab4c6f"/>
+    <p:sldId id="260" r:id="Ref69308af7524780"/>
+    <p:sldId id="261" r:id="Rf753e1eda4644f11"/>
   </p:sldIdLst>
   <p:sldSz cx="12192000" cy="6858000"/>
   <p:notesSz cx="6858000" cy="9144000"/>

--- a/Test/Presentations/merge_result.pptx
+++ b/Test/Presentations/merge_result.pptx
@@ -3,15 +3,15 @@
 <p:presentation xmlns:p15="http://schemas.microsoft.com/office/powerpoint/2012/main" xmlns:a="http://schemas.openxmlformats.org/drawingml/2006/main" xmlns:r="http://schemas.openxmlformats.org/officeDocument/2006/relationships" xmlns:p="http://schemas.openxmlformats.org/presentationml/2006/main" saveSubsetFonts="1">
   <p:sldMasterIdLst>
     <p:sldMasterId id="2147483648" r:id="rId1"/>
-    <p:sldMasterId id="2147483649" r:id="Rb5670c8fe9f2411a"/>
+    <p:sldMasterId id="2147483649" r:id="Re8a884c4aa6649af"/>
   </p:sldMasterIdLst>
   <p:sldIdLst>
     <p:sldId id="256" r:id="rId2"/>
-    <p:sldId id="259" r:id="R5831e03e44814853"/>
+    <p:sldId id="259" r:id="Reec1cb19adaf4c02"/>
     <p:sldId id="257" r:id="rId3"/>
     <p:sldId id="258" r:id="rId4"/>
-    <p:sldId id="260" r:id="Ref69308af7524780"/>
-    <p:sldId id="261" r:id="Rf753e1eda4644f11"/>
+    <p:sldId id="260" r:id="R2a40d07c4c314756"/>
+    <p:sldId id="261" r:id="R8dce8c5141604363"/>
   </p:sldIdLst>
   <p:sldSz cx="12192000" cy="6858000"/>
   <p:notesSz cx="6858000" cy="9144000"/>

--- a/Test/Presentations/merge_result.pptx
+++ b/Test/Presentations/merge_result.pptx
@@ -3,15 +3,15 @@
 <p:presentation xmlns:p15="http://schemas.microsoft.com/office/powerpoint/2012/main" xmlns:a="http://schemas.openxmlformats.org/drawingml/2006/main" xmlns:r="http://schemas.openxmlformats.org/officeDocument/2006/relationships" xmlns:p="http://schemas.openxmlformats.org/presentationml/2006/main" saveSubsetFonts="1">
   <p:sldMasterIdLst>
     <p:sldMasterId id="2147483648" r:id="rId1"/>
-    <p:sldMasterId id="2147483649" r:id="Re8a884c4aa6649af"/>
+    <p:sldMasterId id="2147483649" r:id="R3ce5855c78354d45"/>
   </p:sldMasterIdLst>
   <p:sldIdLst>
     <p:sldId id="256" r:id="rId2"/>
-    <p:sldId id="259" r:id="Reec1cb19adaf4c02"/>
+    <p:sldId id="259" r:id="R39f539f9f9c94623"/>
     <p:sldId id="257" r:id="rId3"/>
     <p:sldId id="258" r:id="rId4"/>
-    <p:sldId id="260" r:id="R2a40d07c4c314756"/>
-    <p:sldId id="261" r:id="R8dce8c5141604363"/>
+    <p:sldId id="260" r:id="Rf151ed255e9a43d4"/>
+    <p:sldId id="261" r:id="R4dbd0248a1f641d8"/>
   </p:sldIdLst>
   <p:sldSz cx="12192000" cy="6858000"/>
   <p:notesSz cx="6858000" cy="9144000"/>
